--- a/6. Flex&Grid/6.pptx
+++ b/6. Flex&Grid/6.pptx
@@ -24,7 +24,8 @@
     <p:sldId id="272" r:id="rId18"/>
     <p:sldId id="274" r:id="rId19"/>
     <p:sldId id="276" r:id="rId20"/>
-    <p:sldId id="275" r:id="rId21"/>
+    <p:sldId id="278" r:id="rId21"/>
+    <p:sldId id="275" r:id="rId22"/>
   </p:sldIdLst>
   <p:sldSz cx="12192000" cy="6858000"/>
   <p:notesSz cx="6858000" cy="9144000"/>
@@ -294,7 +295,7 @@
           <a:p>
             <a:fld id="{1160EA64-D806-43AC-9DF2-F8C432F32B4C}" type="datetimeFigureOut">
               <a:rPr lang="en-US" dirty="0"/>
-              <a:t>9/23/2024</a:t>
+              <a:t>10/10/2025</a:t>
             </a:fld>
             <a:endParaRPr lang="en-US" dirty="0"/>
           </a:p>
@@ -460,7 +461,7 @@
           <a:p>
             <a:fld id="{E9F9C37B-1D36-470B-8223-D6C91242EC14}" type="datetimeFigureOut">
               <a:rPr lang="en-US" dirty="0"/>
-              <a:t>9/23/2024</a:t>
+              <a:t>10/10/2025</a:t>
             </a:fld>
             <a:endParaRPr lang="en-US" dirty="0"/>
           </a:p>
@@ -635,7 +636,7 @@
           <a:p>
             <a:fld id="{67C6F52A-A82B-47A2-A83A-8C4C91F2D59F}" type="datetimeFigureOut">
               <a:rPr lang="en-US" dirty="0"/>
-              <a:t>9/23/2024</a:t>
+              <a:t>10/10/2025</a:t>
             </a:fld>
             <a:endParaRPr lang="en-US" dirty="0"/>
           </a:p>
@@ -800,7 +801,7 @@
           <a:p>
             <a:fld id="{F070A7B3-6521-4DCA-87E5-044747A908C1}" type="datetimeFigureOut">
               <a:rPr lang="en-US" dirty="0"/>
-              <a:t>9/23/2024</a:t>
+              <a:t>10/10/2025</a:t>
             </a:fld>
             <a:endParaRPr lang="en-US" dirty="0"/>
           </a:p>
@@ -1064,7 +1065,7 @@
           <a:p>
             <a:fld id="{1160EA64-D806-43AC-9DF2-F8C432F32B4C}" type="datetimeFigureOut">
               <a:rPr lang="en-US" dirty="0"/>
-              <a:t>9/23/2024</a:t>
+              <a:t>10/10/2025</a:t>
             </a:fld>
             <a:endParaRPr lang="en-US" dirty="0"/>
           </a:p>
@@ -1292,7 +1293,7 @@
           <a:p>
             <a:fld id="{AB134690-1557-4C89-A502-4959FE7FAD70}" type="datetimeFigureOut">
               <a:rPr lang="en-US" dirty="0"/>
-              <a:t>9/23/2024</a:t>
+              <a:t>10/10/2025</a:t>
             </a:fld>
             <a:endParaRPr lang="en-US" dirty="0"/>
           </a:p>
@@ -1646,7 +1647,7 @@
           <a:p>
             <a:fld id="{4F7D4976-E339-4826-83B7-FBD03F55ECF8}" type="datetimeFigureOut">
               <a:rPr lang="en-US" dirty="0"/>
-              <a:t>9/23/2024</a:t>
+              <a:t>10/10/2025</a:t>
             </a:fld>
             <a:endParaRPr lang="en-US" dirty="0"/>
           </a:p>
@@ -1782,7 +1783,7 @@
           <a:p>
             <a:fld id="{E1037C31-9E7A-4F99-8774-A0E530DE1A42}" type="datetimeFigureOut">
               <a:rPr lang="en-US" dirty="0"/>
-              <a:t>9/23/2024</a:t>
+              <a:t>10/10/2025</a:t>
             </a:fld>
             <a:endParaRPr lang="en-US" dirty="0"/>
           </a:p>
@@ -1872,7 +1873,7 @@
           <a:p>
             <a:fld id="{C278504F-A551-4DE0-9316-4DCD1D8CC752}" type="datetimeFigureOut">
               <a:rPr lang="en-US" dirty="0"/>
-              <a:t>9/23/2024</a:t>
+              <a:t>10/10/2025</a:t>
             </a:fld>
             <a:endParaRPr lang="en-US" dirty="0"/>
           </a:p>
@@ -2224,7 +2225,7 @@
           <a:p>
             <a:fld id="{D1BE4249-C0D0-4B06-8692-E8BB871AF643}" type="datetimeFigureOut">
               <a:rPr lang="en-US" dirty="0"/>
-              <a:t>9/23/2024</a:t>
+              <a:t>10/10/2025</a:t>
             </a:fld>
             <a:endParaRPr lang="en-US" dirty="0"/>
           </a:p>
@@ -2576,7 +2577,7 @@
           <a:p>
             <a:fld id="{042B0DB6-F5C7-45FB-8CF3-31B45F9C2DAC}" type="datetimeFigureOut">
               <a:rPr lang="en-US" dirty="0"/>
-              <a:t>9/23/2024</a:t>
+              <a:t>10/10/2025</a:t>
             </a:fld>
             <a:endParaRPr lang="en-US" dirty="0"/>
           </a:p>
@@ -2813,7 +2814,7 @@
           <a:p>
             <a:fld id="{1160EA64-D806-43AC-9DF2-F8C432F32B4C}" type="datetimeFigureOut">
               <a:rPr lang="en-US" dirty="0"/>
-              <a:t>9/23/2024</a:t>
+              <a:t>10/10/2025</a:t>
             </a:fld>
             <a:endParaRPr lang="en-US" dirty="0"/>
           </a:p>
@@ -5255,6 +5256,444 @@
           <a:p>
             <a:r>
               <a:rPr lang="en-US" dirty="0"/>
+              <a:t>Repeat</a:t>
+            </a:r>
+          </a:p>
+        </p:txBody>
+      </p:sp>
+      <p:graphicFrame>
+        <p:nvGraphicFramePr>
+          <p:cNvPr id="3" name="Table 3">
+            <a:extLst>
+              <a:ext uri="{FF2B5EF4-FFF2-40B4-BE49-F238E27FC236}">
+                <a16:creationId xmlns:a16="http://schemas.microsoft.com/office/drawing/2014/main" id="{EF7D87CF-6E69-4693-B4CA-99465A5DBF1B}"/>
+              </a:ext>
+            </a:extLst>
+          </p:cNvPr>
+          <p:cNvGraphicFramePr>
+            <a:graphicFrameLocks noGrp="1"/>
+          </p:cNvGraphicFramePr>
+          <p:nvPr>
+            <p:extLst>
+              <p:ext uri="{D42A27DB-BD31-4B8C-83A1-F6EECF244321}">
+                <p14:modId xmlns:p14="http://schemas.microsoft.com/office/powerpoint/2010/main" val="22879640"/>
+              </p:ext>
+            </p:extLst>
+          </p:nvPr>
+        </p:nvGraphicFramePr>
+        <p:xfrm>
+          <a:off x="401068" y="2480734"/>
+          <a:ext cx="8128000" cy="2123440"/>
+        </p:xfrm>
+        <a:graphic>
+          <a:graphicData uri="http://schemas.openxmlformats.org/drawingml/2006/table">
+            <a:tbl>
+              <a:tblPr firstRow="1" bandRow="1">
+                <a:tableStyleId>{5C22544A-7EE6-4342-B048-85BDC9FD1C3A}</a:tableStyleId>
+              </a:tblPr>
+              <a:tblGrid>
+                <a:gridCol w="3217333">
+                  <a:extLst>
+                    <a:ext uri="{9D8B030D-6E8A-4147-A177-3AD203B41FA5}">
+                      <a16:colId xmlns:a16="http://schemas.microsoft.com/office/drawing/2014/main" val="3458598897"/>
+                    </a:ext>
+                  </a:extLst>
+                </a:gridCol>
+                <a:gridCol w="4910667">
+                  <a:extLst>
+                    <a:ext uri="{9D8B030D-6E8A-4147-A177-3AD203B41FA5}">
+                      <a16:colId xmlns:a16="http://schemas.microsoft.com/office/drawing/2014/main" val="4102812133"/>
+                    </a:ext>
+                  </a:extLst>
+                </a:gridCol>
+              </a:tblGrid>
+              <a:tr h="370840">
+                <a:tc>
+                  <a:txBody>
+                    <a:bodyPr/>
+                    <a:lstStyle/>
+                    <a:p>
+                      <a:r>
+                        <a:rPr lang="en-US" dirty="0"/>
+                        <a:t>grid-template-columns</a:t>
+                      </a:r>
+                    </a:p>
+                  </a:txBody>
+                  <a:tcPr/>
+                </a:tc>
+                <a:tc>
+                  <a:txBody>
+                    <a:bodyPr/>
+                    <a:lstStyle/>
+                    <a:p>
+                      <a:r>
+                        <a:rPr lang="ru-RU" dirty="0"/>
+                        <a:t>Результат</a:t>
+                      </a:r>
+                      <a:endParaRPr lang="en-US" dirty="0"/>
+                    </a:p>
+                  </a:txBody>
+                  <a:tcPr/>
+                </a:tc>
+                <a:extLst>
+                  <a:ext uri="{0D108BD9-81ED-4DB2-BD59-A6C34878D82A}">
+                    <a16:rowId xmlns:a16="http://schemas.microsoft.com/office/drawing/2014/main" val="811263181"/>
+                  </a:ext>
+                </a:extLst>
+              </a:tr>
+              <a:tr h="370840">
+                <a:tc>
+                  <a:txBody>
+                    <a:bodyPr/>
+                    <a:lstStyle/>
+                    <a:p>
+                      <a:r>
+                        <a:rPr lang="en-US" dirty="0"/>
+                        <a:t>repeat(3, 250px); </a:t>
+                      </a:r>
+                    </a:p>
+                  </a:txBody>
+                  <a:tcPr/>
+                </a:tc>
+                <a:tc>
+                  <a:txBody>
+                    <a:bodyPr/>
+                    <a:lstStyle/>
+                    <a:p>
+                      <a:r>
+                        <a:rPr lang="ru-RU" dirty="0"/>
+                        <a:t>3 колонки по 250 пикселей</a:t>
+                      </a:r>
+                      <a:endParaRPr lang="en-US" dirty="0"/>
+                    </a:p>
+                  </a:txBody>
+                  <a:tcPr/>
+                </a:tc>
+                <a:extLst>
+                  <a:ext uri="{0D108BD9-81ED-4DB2-BD59-A6C34878D82A}">
+                    <a16:rowId xmlns:a16="http://schemas.microsoft.com/office/drawing/2014/main" val="3396318581"/>
+                  </a:ext>
+                </a:extLst>
+              </a:tr>
+              <a:tr h="370840">
+                <a:tc>
+                  <a:txBody>
+                    <a:bodyPr/>
+                    <a:lstStyle/>
+                    <a:p>
+                      <a:r>
+                        <a:rPr lang="en-US" dirty="0"/>
+                        <a:t>100px repeat(3, 1fr) 200px;</a:t>
+                      </a:r>
+                    </a:p>
+                  </a:txBody>
+                  <a:tcPr/>
+                </a:tc>
+                <a:tc>
+                  <a:txBody>
+                    <a:bodyPr/>
+                    <a:lstStyle/>
+                    <a:p>
+                      <a:r>
+                        <a:rPr lang="ru-RU" i="1" dirty="0">
+                          <a:effectLst/>
+                        </a:rPr>
+                        <a:t>Первая колонка 100px, затем 3 колонки по 1fr, последняя 200px</a:t>
+                      </a:r>
+                      <a:endParaRPr lang="en-US" dirty="0"/>
+                    </a:p>
+                  </a:txBody>
+                  <a:tcPr/>
+                </a:tc>
+                <a:extLst>
+                  <a:ext uri="{0D108BD9-81ED-4DB2-BD59-A6C34878D82A}">
+                    <a16:rowId xmlns:a16="http://schemas.microsoft.com/office/drawing/2014/main" val="1902332142"/>
+                  </a:ext>
+                </a:extLst>
+              </a:tr>
+              <a:tr h="370840">
+                <a:tc>
+                  <a:txBody>
+                    <a:bodyPr/>
+                    <a:lstStyle/>
+                    <a:p>
+                      <a:r>
+                        <a:rPr lang="en-US" dirty="0"/>
+                        <a:t>repeat(3, 100px 200px)</a:t>
+                      </a:r>
+                    </a:p>
+                  </a:txBody>
+                  <a:tcPr/>
+                </a:tc>
+                <a:tc>
+                  <a:txBody>
+                    <a:bodyPr/>
+                    <a:lstStyle/>
+                    <a:p>
+                      <a:r>
+                        <a:rPr lang="en-US" i="1" dirty="0">
+                          <a:effectLst/>
+                        </a:rPr>
+                        <a:t>100px 200px </a:t>
+                      </a:r>
+                      <a:r>
+                        <a:rPr lang="ru-RU" i="1" dirty="0">
+                          <a:effectLst/>
+                        </a:rPr>
+                        <a:t>---</a:t>
+                      </a:r>
+                      <a:r>
+                        <a:rPr lang="en-US" i="1" dirty="0">
+                          <a:effectLst/>
+                        </a:rPr>
+                        <a:t>100px 200px </a:t>
+                      </a:r>
+                      <a:r>
+                        <a:rPr lang="ru-RU" i="1" dirty="0">
+                          <a:effectLst/>
+                        </a:rPr>
+                        <a:t>--- </a:t>
+                      </a:r>
+                      <a:r>
+                        <a:rPr lang="en-US" i="1" dirty="0">
+                          <a:effectLst/>
+                        </a:rPr>
+                        <a:t>100px 200px</a:t>
+                      </a:r>
+                      <a:endParaRPr lang="en-US" dirty="0"/>
+                    </a:p>
+                  </a:txBody>
+                  <a:tcPr/>
+                </a:tc>
+                <a:extLst>
+                  <a:ext uri="{0D108BD9-81ED-4DB2-BD59-A6C34878D82A}">
+                    <a16:rowId xmlns:a16="http://schemas.microsoft.com/office/drawing/2014/main" val="2650936155"/>
+                  </a:ext>
+                </a:extLst>
+              </a:tr>
+              <a:tr h="370840">
+                <a:tc>
+                  <a:txBody>
+                    <a:bodyPr/>
+                    <a:lstStyle/>
+                    <a:p>
+                      <a:r>
+                        <a:rPr lang="en-US" dirty="0"/>
+                        <a:t>repeat(4, 50px 1fr);</a:t>
+                      </a:r>
+                    </a:p>
+                  </a:txBody>
+                  <a:tcPr/>
+                </a:tc>
+                <a:tc>
+                  <a:txBody>
+                    <a:bodyPr/>
+                    <a:lstStyle/>
+                    <a:p>
+                      <a:r>
+                        <a:rPr lang="ru-RU" dirty="0"/>
+                        <a:t>8 колонок: 50</a:t>
+                      </a:r>
+                      <a:r>
+                        <a:rPr lang="en-US" dirty="0"/>
+                        <a:t>px, 1fr, 50px, 1fr, 50px, 1fr, 50px, 1fr.</a:t>
+                      </a:r>
+                    </a:p>
+                  </a:txBody>
+                  <a:tcPr/>
+                </a:tc>
+                <a:extLst>
+                  <a:ext uri="{0D108BD9-81ED-4DB2-BD59-A6C34878D82A}">
+                    <a16:rowId xmlns:a16="http://schemas.microsoft.com/office/drawing/2014/main" val="1744952659"/>
+                  </a:ext>
+                </a:extLst>
+              </a:tr>
+            </a:tbl>
+          </a:graphicData>
+        </a:graphic>
+      </p:graphicFrame>
+      <p:sp>
+        <p:nvSpPr>
+          <p:cNvPr id="10" name="TextBox 9">
+            <a:extLst>
+              <a:ext uri="{FF2B5EF4-FFF2-40B4-BE49-F238E27FC236}">
+                <a16:creationId xmlns:a16="http://schemas.microsoft.com/office/drawing/2014/main" id="{A5759E56-3FA4-4F42-ADD6-4BBAB6A4C5C6}"/>
+              </a:ext>
+            </a:extLst>
+          </p:cNvPr>
+          <p:cNvSpPr txBox="1"/>
+          <p:nvPr/>
+        </p:nvSpPr>
+        <p:spPr>
+          <a:xfrm>
+            <a:off x="401068" y="1594549"/>
+            <a:ext cx="6096000" cy="369332"/>
+          </a:xfrm>
+          <a:prstGeom prst="rect">
+            <a:avLst/>
+          </a:prstGeom>
+          <a:noFill/>
+        </p:spPr>
+        <p:txBody>
+          <a:bodyPr wrap="square">
+            <a:spAutoFit/>
+          </a:bodyPr>
+          <a:lstStyle/>
+          <a:p>
+            <a:r>
+              <a:rPr lang="ru-RU" b="1" dirty="0">
+                <a:effectLst/>
+              </a:rPr>
+              <a:t>Синтаксис:</a:t>
+            </a:r>
+            <a:r>
+              <a:rPr lang="ru-RU" dirty="0"/>
+              <a:t> </a:t>
+            </a:r>
+            <a:r>
+              <a:rPr lang="en-US" dirty="0">
+                <a:solidFill>
+                  <a:srgbClr val="EB5757"/>
+                </a:solidFill>
+                <a:effectLst/>
+                <a:latin typeface="SFMono-Regular"/>
+              </a:rPr>
+              <a:t>repeat(</a:t>
+            </a:r>
+            <a:r>
+              <a:rPr lang="ru-RU" dirty="0">
+                <a:solidFill>
+                  <a:srgbClr val="EB5757"/>
+                </a:solidFill>
+                <a:effectLst/>
+                <a:latin typeface="SFMono-Regular"/>
+              </a:rPr>
+              <a:t>количество, размер)</a:t>
+            </a:r>
+            <a:endParaRPr lang="ru-RU" dirty="0">
+              <a:effectLst/>
+            </a:endParaRPr>
+          </a:p>
+        </p:txBody>
+      </p:sp>
+      <p:sp>
+        <p:nvSpPr>
+          <p:cNvPr id="11" name="TextBox 10">
+            <a:extLst>
+              <a:ext uri="{FF2B5EF4-FFF2-40B4-BE49-F238E27FC236}">
+                <a16:creationId xmlns:a16="http://schemas.microsoft.com/office/drawing/2014/main" id="{F6E24348-7B41-4BBA-907E-F2EE181F241F}"/>
+              </a:ext>
+            </a:extLst>
+          </p:cNvPr>
+          <p:cNvSpPr txBox="1"/>
+          <p:nvPr/>
+        </p:nvSpPr>
+        <p:spPr>
+          <a:xfrm>
+            <a:off x="401068" y="678877"/>
+            <a:ext cx="6096000" cy="646331"/>
+          </a:xfrm>
+          <a:prstGeom prst="rect">
+            <a:avLst/>
+          </a:prstGeom>
+          <a:noFill/>
+        </p:spPr>
+        <p:txBody>
+          <a:bodyPr wrap="square">
+            <a:spAutoFit/>
+          </a:bodyPr>
+          <a:lstStyle/>
+          <a:p>
+            <a:r>
+              <a:rPr lang="ru-RU" dirty="0"/>
+              <a:t>Если нужны одинаковые колонки или ряды, то можно воспользоваться функцией </a:t>
+            </a:r>
+            <a:r>
+              <a:rPr lang="ru-RU" dirty="0" err="1">
+                <a:solidFill>
+                  <a:srgbClr val="EB5757"/>
+                </a:solidFill>
+                <a:effectLst/>
+                <a:latin typeface="SFMono-Regular"/>
+              </a:rPr>
+              <a:t>repeat</a:t>
+            </a:r>
+            <a:r>
+              <a:rPr lang="ru-RU" dirty="0">
+                <a:solidFill>
+                  <a:srgbClr val="EB5757"/>
+                </a:solidFill>
+                <a:effectLst/>
+                <a:latin typeface="SFMono-Regular"/>
+              </a:rPr>
+              <a:t>()</a:t>
+            </a:r>
+            <a:endParaRPr lang="ru-RU" dirty="0">
+              <a:effectLst/>
+            </a:endParaRPr>
+          </a:p>
+        </p:txBody>
+      </p:sp>
+    </p:spTree>
+    <p:extLst>
+      <p:ext uri="{BB962C8B-B14F-4D97-AF65-F5344CB8AC3E}">
+        <p14:creationId xmlns:p14="http://schemas.microsoft.com/office/powerpoint/2010/main" val="4201240975"/>
+      </p:ext>
+    </p:extLst>
+  </p:cSld>
+  <p:clrMapOvr>
+    <a:masterClrMapping/>
+  </p:clrMapOvr>
+</p:sld>
+</file>
+
+<file path=ppt/slides/slide21.xml><?xml version="1.0" encoding="utf-8"?>
+<p:sld xmlns:a="http://schemas.openxmlformats.org/drawingml/2006/main" xmlns:r="http://schemas.openxmlformats.org/officeDocument/2006/relationships" xmlns:p="http://schemas.openxmlformats.org/presentationml/2006/main">
+  <p:cSld>
+    <p:spTree>
+      <p:nvGrpSpPr>
+        <p:cNvPr id="1" name=""/>
+        <p:cNvGrpSpPr/>
+        <p:nvPr/>
+      </p:nvGrpSpPr>
+      <p:grpSpPr>
+        <a:xfrm>
+          <a:off x="0" y="0"/>
+          <a:ext cx="0" cy="0"/>
+          <a:chOff x="0" y="0"/>
+          <a:chExt cx="0" cy="0"/>
+        </a:xfrm>
+      </p:grpSpPr>
+      <p:sp>
+        <p:nvSpPr>
+          <p:cNvPr id="2" name="Title 1">
+            <a:extLst>
+              <a:ext uri="{FF2B5EF4-FFF2-40B4-BE49-F238E27FC236}">
+                <a16:creationId xmlns:a16="http://schemas.microsoft.com/office/drawing/2014/main" id="{E2E0E1F9-B8C8-4D29-B110-0477B77045FC}"/>
+              </a:ext>
+            </a:extLst>
+          </p:cNvPr>
+          <p:cNvSpPr>
+            <a:spLocks noGrp="1"/>
+          </p:cNvSpPr>
+          <p:nvPr>
+            <p:ph type="title"/>
+          </p:nvPr>
+        </p:nvSpPr>
+        <p:spPr>
+          <a:xfrm>
+            <a:off x="401068" y="85918"/>
+            <a:ext cx="11389863" cy="412845"/>
+          </a:xfrm>
+        </p:spPr>
+        <p:txBody>
+          <a:bodyPr>
+            <a:normAutofit fontScale="90000"/>
+          </a:bodyPr>
+          <a:lstStyle/>
+          <a:p>
+            <a:r>
+              <a:rPr lang="en-US" dirty="0"/>
               <a:t>Grid</a:t>
             </a:r>
             <a:r>
@@ -5282,8 +5721,8 @@
         </p:nvSpPr>
         <p:spPr>
           <a:xfrm>
-            <a:off x="401067" y="1588547"/>
-            <a:ext cx="6096000" cy="369332"/>
+            <a:off x="401068" y="2327811"/>
+            <a:ext cx="4455663" cy="369332"/>
           </a:xfrm>
           <a:prstGeom prst="rect">
             <a:avLst/>
@@ -5377,16 +5816,15 @@
           </p:cNvPicPr>
           <p:nvPr/>
         </p:nvPicPr>
-        <p:blipFill>
+        <p:blipFill rotWithShape="1">
           <a:blip r:embed="rId2"/>
-          <a:stretch>
-            <a:fillRect/>
-          </a:stretch>
+          <a:srcRect l="3949" t="22520" r="1120" b="25183"/>
+          <a:stretch/>
         </p:blipFill>
         <p:spPr>
           <a:xfrm>
-            <a:off x="7217913" y="1159922"/>
-            <a:ext cx="4343400" cy="857250"/>
+            <a:off x="4856731" y="2093961"/>
+            <a:ext cx="7029979" cy="764337"/>
           </a:xfrm>
           <a:prstGeom prst="rect">
             <a:avLst/>
@@ -5407,16 +5845,15 @@
           </p:cNvPicPr>
           <p:nvPr/>
         </p:nvPicPr>
-        <p:blipFill>
+        <p:blipFill rotWithShape="1">
           <a:blip r:embed="rId3"/>
-          <a:stretch>
-            <a:fillRect/>
-          </a:stretch>
+          <a:srcRect t="23185" r="4829" b="22050"/>
+          <a:stretch/>
         </p:blipFill>
         <p:spPr>
           <a:xfrm>
-            <a:off x="7142731" y="3093590"/>
-            <a:ext cx="4333875" cy="666750"/>
+            <a:off x="4929716" y="5265498"/>
+            <a:ext cx="6956994" cy="615885"/>
           </a:xfrm>
           <a:prstGeom prst="rect">
             <a:avLst/>
@@ -5437,7 +5874,7 @@
         </p:nvSpPr>
         <p:spPr>
           <a:xfrm>
-            <a:off x="401067" y="1962309"/>
+            <a:off x="401067" y="2865173"/>
             <a:ext cx="11389863" cy="338554"/>
           </a:xfrm>
           <a:prstGeom prst="rect">
@@ -5451,6 +5888,15 @@
           </a:bodyPr>
           <a:lstStyle/>
           <a:p>
+            <a:r>
+              <a:rPr lang="ru-RU" sz="1400" dirty="0">
+                <a:solidFill>
+                  <a:srgbClr val="252525"/>
+                </a:solidFill>
+                <a:latin typeface="Roboto" panose="020B0604020202020204" pitchFamily="2" charset="0"/>
+              </a:rPr>
+              <a:t>Э</a:t>
+            </a:r>
             <a:r>
               <a:rPr lang="ru-RU" sz="1400" b="0" i="0" dirty="0">
                 <a:solidFill>
@@ -5459,7 +5905,7 @@
                 <a:effectLst/>
                 <a:latin typeface="Roboto" panose="020B0604020202020204" pitchFamily="2" charset="0"/>
               </a:rPr>
-              <a:t>В этом примере элементы 1 и 2 занимают первые два </a:t>
+              <a:t>лементы 1 и 2 занимают первые два </a:t>
             </a:r>
             <a:r>
               <a:rPr lang="ru-RU" sz="1600" b="0" i="0" dirty="0">
@@ -5482,87 +5928,6 @@
               <a:t>из четырех) разделов, а элемент 3 — последние два.</a:t>
             </a:r>
             <a:endParaRPr lang="en-US" sz="1400" dirty="0"/>
-          </a:p>
-        </p:txBody>
-      </p:sp>
-      <p:sp>
-        <p:nvSpPr>
-          <p:cNvPr id="20" name="TextBox 19">
-            <a:extLst>
-              <a:ext uri="{FF2B5EF4-FFF2-40B4-BE49-F238E27FC236}">
-                <a16:creationId xmlns:a16="http://schemas.microsoft.com/office/drawing/2014/main" id="{616B86EF-497F-444C-81D2-B984E1AC909A}"/>
-              </a:ext>
-            </a:extLst>
-          </p:cNvPr>
-          <p:cNvSpPr txBox="1"/>
-          <p:nvPr/>
-        </p:nvSpPr>
-        <p:spPr>
-          <a:xfrm>
-            <a:off x="171450" y="3764410"/>
-            <a:ext cx="11389863" cy="584775"/>
-          </a:xfrm>
-          <a:prstGeom prst="rect">
-            <a:avLst/>
-          </a:prstGeom>
-          <a:noFill/>
-        </p:spPr>
-        <p:txBody>
-          <a:bodyPr wrap="square">
-            <a:spAutoFit/>
-          </a:bodyPr>
-          <a:lstStyle/>
-          <a:p>
-            <a:r>
-              <a:rPr lang="ru-RU" sz="1600" b="0" i="0" dirty="0">
-                <a:solidFill>
-                  <a:srgbClr val="252525"/>
-                </a:solidFill>
-                <a:effectLst/>
-                <a:latin typeface="Roboto" panose="02000000000000000000" pitchFamily="2" charset="0"/>
-              </a:rPr>
-              <a:t>В этом примере 3rem и 25% будут вычтены из доступного пространства перед вычислением размера </a:t>
-            </a:r>
-            <a:r>
-              <a:rPr lang="ru-RU" sz="1600" b="0" i="0" dirty="0" err="1">
-                <a:solidFill>
-                  <a:srgbClr val="252525"/>
-                </a:solidFill>
-                <a:effectLst/>
-                <a:latin typeface="Roboto" panose="02000000000000000000" pitchFamily="2" charset="0"/>
-              </a:rPr>
-              <a:t>fr</a:t>
-            </a:r>
-            <a:r>
-              <a:rPr lang="ru-RU" sz="1600" b="0" i="0" dirty="0">
-                <a:solidFill>
-                  <a:srgbClr val="252525"/>
-                </a:solidFill>
-                <a:effectLst/>
-                <a:latin typeface="Roboto" panose="02000000000000000000" pitchFamily="2" charset="0"/>
-              </a:rPr>
-              <a:t>: </a:t>
-            </a:r>
-            <a:br>
-              <a:rPr lang="en-US" sz="1600" b="0" i="0" dirty="0">
-                <a:solidFill>
-                  <a:srgbClr val="252525"/>
-                </a:solidFill>
-                <a:effectLst/>
-                <a:latin typeface="Roboto" panose="02000000000000000000" pitchFamily="2" charset="0"/>
-              </a:rPr>
-            </a:br>
-            <a:r>
-              <a:rPr lang="ru-RU" sz="1600" b="0" i="0" dirty="0">
-                <a:solidFill>
-                  <a:srgbClr val="252525"/>
-                </a:solidFill>
-                <a:effectLst/>
-                <a:latin typeface="Roboto" panose="02000000000000000000" pitchFamily="2" charset="0"/>
-              </a:rPr>
-              <a:t>1fr = ((ширина сетки) - (3rem) - (25% ширины сетки)) / 3</a:t>
-            </a:r>
-            <a:endParaRPr lang="en-US" sz="1600" dirty="0"/>
           </a:p>
         </p:txBody>
       </p:sp>
@@ -5580,8 +5945,8 @@
         </p:nvSpPr>
         <p:spPr>
           <a:xfrm>
-            <a:off x="171450" y="3290957"/>
-            <a:ext cx="6096000" cy="369332"/>
+            <a:off x="401067" y="5477532"/>
+            <a:ext cx="4455663" cy="369332"/>
           </a:xfrm>
           <a:prstGeom prst="rect">
             <a:avLst/>
@@ -5602,6 +5967,386 @@
               </a:rPr>
               <a:t>grid-template-columns: 3rem 25% 1fr 2fr</a:t>
             </a:r>
+          </a:p>
+        </p:txBody>
+      </p:sp>
+      <p:sp>
+        <p:nvSpPr>
+          <p:cNvPr id="9" name="TextBox 8">
+            <a:extLst>
+              <a:ext uri="{FF2B5EF4-FFF2-40B4-BE49-F238E27FC236}">
+                <a16:creationId xmlns:a16="http://schemas.microsoft.com/office/drawing/2014/main" id="{8AA1749D-2545-485C-B25F-477FC52D0469}"/>
+              </a:ext>
+            </a:extLst>
+          </p:cNvPr>
+          <p:cNvSpPr txBox="1"/>
+          <p:nvPr/>
+        </p:nvSpPr>
+        <p:spPr>
+          <a:xfrm>
+            <a:off x="401068" y="784734"/>
+            <a:ext cx="4455663" cy="369332"/>
+          </a:xfrm>
+          <a:prstGeom prst="rect">
+            <a:avLst/>
+          </a:prstGeom>
+          <a:noFill/>
+        </p:spPr>
+        <p:txBody>
+          <a:bodyPr wrap="square">
+            <a:spAutoFit/>
+          </a:bodyPr>
+          <a:lstStyle/>
+          <a:p>
+            <a:pPr marL="0" marR="0" lvl="0" indent="0" algn="l" defTabSz="914400" rtl="0" eaLnBrk="0" fontAlgn="base" latinLnBrk="0" hangingPunct="0">
+              <a:lnSpc>
+                <a:spcPct val="100000"/>
+              </a:lnSpc>
+              <a:spcBef>
+                <a:spcPct val="0"/>
+              </a:spcBef>
+              <a:spcAft>
+                <a:spcPct val="0"/>
+              </a:spcAft>
+              <a:buClrTx/>
+              <a:buSzTx/>
+              <a:buFontTx/>
+              <a:buNone/>
+              <a:tabLst/>
+            </a:pPr>
+            <a:r>
+              <a:rPr kumimoji="0" lang="en-US" altLang="en-US" sz="1800" b="0" i="1" u="none" strike="noStrike" cap="none" normalizeH="0" baseline="0" dirty="0">
+                <a:ln>
+                  <a:noFill/>
+                </a:ln>
+                <a:solidFill>
+                  <a:srgbClr val="FF0000"/>
+                </a:solidFill>
+                <a:effectLst/>
+                <a:latin typeface="Hack"/>
+              </a:rPr>
+              <a:t>grid-template-columns: 1fr </a:t>
+            </a:r>
+            <a:r>
+              <a:rPr kumimoji="0" lang="en-US" altLang="en-US" sz="1800" b="0" i="1" u="none" strike="noStrike" cap="none" normalizeH="0" baseline="0" dirty="0" err="1">
+                <a:ln>
+                  <a:noFill/>
+                </a:ln>
+                <a:solidFill>
+                  <a:srgbClr val="FF0000"/>
+                </a:solidFill>
+                <a:effectLst/>
+                <a:latin typeface="Hack"/>
+              </a:rPr>
+              <a:t>1fr</a:t>
+            </a:r>
+            <a:r>
+              <a:rPr kumimoji="0" lang="en-US" altLang="en-US" sz="1800" b="0" i="1" u="none" strike="noStrike" cap="none" normalizeH="0" baseline="0" dirty="0">
+                <a:ln>
+                  <a:noFill/>
+                </a:ln>
+                <a:solidFill>
+                  <a:srgbClr val="FF0000"/>
+                </a:solidFill>
+                <a:effectLst/>
+                <a:latin typeface="Hack"/>
+              </a:rPr>
+              <a:t> </a:t>
+            </a:r>
+            <a:r>
+              <a:rPr lang="ru-RU" altLang="en-US" i="1" dirty="0">
+                <a:solidFill>
+                  <a:srgbClr val="FF0000"/>
+                </a:solidFill>
+                <a:latin typeface="Hack"/>
+              </a:rPr>
+              <a:t>1</a:t>
+            </a:r>
+            <a:r>
+              <a:rPr kumimoji="0" lang="en-US" altLang="en-US" sz="1800" b="0" i="1" u="none" strike="noStrike" cap="none" normalizeH="0" baseline="0" dirty="0" err="1">
+                <a:ln>
+                  <a:noFill/>
+                </a:ln>
+                <a:solidFill>
+                  <a:srgbClr val="FF0000"/>
+                </a:solidFill>
+                <a:effectLst/>
+                <a:latin typeface="Hack"/>
+              </a:rPr>
+              <a:t>fr</a:t>
+            </a:r>
+            <a:endParaRPr kumimoji="0" lang="en-US" altLang="en-US" sz="800" b="0" i="1" u="none" strike="noStrike" cap="none" normalizeH="0" baseline="0" dirty="0">
+              <a:ln>
+                <a:noFill/>
+              </a:ln>
+              <a:solidFill>
+                <a:srgbClr val="FF0000"/>
+              </a:solidFill>
+              <a:effectLst/>
+            </a:endParaRPr>
+          </a:p>
+        </p:txBody>
+      </p:sp>
+      <p:pic>
+        <p:nvPicPr>
+          <p:cNvPr id="4" name="Picture 3">
+            <a:extLst>
+              <a:ext uri="{FF2B5EF4-FFF2-40B4-BE49-F238E27FC236}">
+                <a16:creationId xmlns:a16="http://schemas.microsoft.com/office/drawing/2014/main" id="{22C7A771-868B-4244-89A4-6E6A254E0468}"/>
+              </a:ext>
+            </a:extLst>
+          </p:cNvPr>
+          <p:cNvPicPr>
+            <a:picLocks noChangeAspect="1"/>
+          </p:cNvPicPr>
+          <p:nvPr/>
+        </p:nvPicPr>
+        <p:blipFill rotWithShape="1">
+          <a:blip r:embed="rId4"/>
+          <a:srcRect l="1188" t="9826" r="1501" b="14169"/>
+          <a:stretch/>
+        </p:blipFill>
+        <p:spPr>
+          <a:xfrm>
+            <a:off x="4856731" y="626373"/>
+            <a:ext cx="6934200" cy="686053"/>
+          </a:xfrm>
+          <a:prstGeom prst="rect">
+            <a:avLst/>
+          </a:prstGeom>
+        </p:spPr>
+      </p:pic>
+      <p:sp>
+        <p:nvSpPr>
+          <p:cNvPr id="13" name="TextBox 12">
+            <a:extLst>
+              <a:ext uri="{FF2B5EF4-FFF2-40B4-BE49-F238E27FC236}">
+                <a16:creationId xmlns:a16="http://schemas.microsoft.com/office/drawing/2014/main" id="{AD0AB78F-0DBA-4E8E-8180-85CB4DF2A751}"/>
+              </a:ext>
+            </a:extLst>
+          </p:cNvPr>
+          <p:cNvSpPr txBox="1"/>
+          <p:nvPr/>
+        </p:nvSpPr>
+        <p:spPr>
+          <a:xfrm>
+            <a:off x="401067" y="1345949"/>
+            <a:ext cx="11389862" cy="307777"/>
+          </a:xfrm>
+          <a:prstGeom prst="rect">
+            <a:avLst/>
+          </a:prstGeom>
+          <a:noFill/>
+        </p:spPr>
+        <p:txBody>
+          <a:bodyPr wrap="square">
+            <a:spAutoFit/>
+          </a:bodyPr>
+          <a:lstStyle/>
+          <a:p>
+            <a:r>
+              <a:rPr lang="ru-RU" sz="1400" dirty="0">
+                <a:latin typeface="Roboto" panose="02000000000000000000" pitchFamily="2" charset="0"/>
+                <a:ea typeface="Roboto" panose="02000000000000000000" pitchFamily="2" charset="0"/>
+              </a:rPr>
+              <a:t>Три колонки, каждая из которых будет занимать 1/3 доступного пространства или 1/3 ширины контейнера: </a:t>
+            </a:r>
+            <a:endParaRPr lang="en-US" sz="1400" dirty="0">
+              <a:latin typeface="Roboto" panose="02000000000000000000" pitchFamily="2" charset="0"/>
+              <a:ea typeface="Roboto" panose="02000000000000000000" pitchFamily="2" charset="0"/>
+            </a:endParaRPr>
+          </a:p>
+        </p:txBody>
+      </p:sp>
+      <p:pic>
+        <p:nvPicPr>
+          <p:cNvPr id="8" name="Picture 7">
+            <a:extLst>
+              <a:ext uri="{FF2B5EF4-FFF2-40B4-BE49-F238E27FC236}">
+                <a16:creationId xmlns:a16="http://schemas.microsoft.com/office/drawing/2014/main" id="{8E7C5A9E-622C-4C5C-BDB6-E6865E1A7AD2}"/>
+              </a:ext>
+            </a:extLst>
+          </p:cNvPr>
+          <p:cNvPicPr>
+            <a:picLocks noChangeAspect="1"/>
+          </p:cNvPicPr>
+          <p:nvPr/>
+        </p:nvPicPr>
+        <p:blipFill>
+          <a:blip r:embed="rId5"/>
+          <a:stretch>
+            <a:fillRect/>
+          </a:stretch>
+        </p:blipFill>
+        <p:spPr>
+          <a:xfrm>
+            <a:off x="4856730" y="3781484"/>
+            <a:ext cx="7029980" cy="679478"/>
+          </a:xfrm>
+          <a:prstGeom prst="rect">
+            <a:avLst/>
+          </a:prstGeom>
+        </p:spPr>
+      </p:pic>
+      <p:sp>
+        <p:nvSpPr>
+          <p:cNvPr id="17" name="TextBox 16">
+            <a:extLst>
+              <a:ext uri="{FF2B5EF4-FFF2-40B4-BE49-F238E27FC236}">
+                <a16:creationId xmlns:a16="http://schemas.microsoft.com/office/drawing/2014/main" id="{08552D82-F542-49B9-93D9-DD828467B991}"/>
+              </a:ext>
+            </a:extLst>
+          </p:cNvPr>
+          <p:cNvSpPr txBox="1"/>
+          <p:nvPr/>
+        </p:nvSpPr>
+        <p:spPr>
+          <a:xfrm>
+            <a:off x="401067" y="3936557"/>
+            <a:ext cx="6096000" cy="369332"/>
+          </a:xfrm>
+          <a:prstGeom prst="rect">
+            <a:avLst/>
+          </a:prstGeom>
+          <a:noFill/>
+        </p:spPr>
+        <p:txBody>
+          <a:bodyPr wrap="square">
+            <a:spAutoFit/>
+          </a:bodyPr>
+          <a:lstStyle/>
+          <a:p>
+            <a:pPr marL="0" marR="0" lvl="0" indent="0" algn="l" defTabSz="914400" rtl="0" eaLnBrk="0" fontAlgn="base" latinLnBrk="0" hangingPunct="0">
+              <a:lnSpc>
+                <a:spcPct val="100000"/>
+              </a:lnSpc>
+              <a:spcBef>
+                <a:spcPct val="0"/>
+              </a:spcBef>
+              <a:spcAft>
+                <a:spcPct val="0"/>
+              </a:spcAft>
+              <a:buClrTx/>
+              <a:buSzTx/>
+              <a:buFontTx/>
+              <a:buNone/>
+              <a:tabLst/>
+            </a:pPr>
+            <a:r>
+              <a:rPr kumimoji="0" lang="en-US" altLang="en-US" sz="1800" b="0" i="1" u="none" strike="noStrike" cap="none" normalizeH="0" baseline="0" dirty="0">
+                <a:ln>
+                  <a:noFill/>
+                </a:ln>
+                <a:solidFill>
+                  <a:srgbClr val="FF0000"/>
+                </a:solidFill>
+                <a:effectLst/>
+                <a:latin typeface="Hack"/>
+              </a:rPr>
+              <a:t>grid-template-columns: 1fr 200px </a:t>
+            </a:r>
+            <a:r>
+              <a:rPr lang="en-US" altLang="en-US" i="1" dirty="0">
+                <a:solidFill>
+                  <a:srgbClr val="FF0000"/>
+                </a:solidFill>
+                <a:latin typeface="Hack"/>
+              </a:rPr>
+              <a:t>1</a:t>
+            </a:r>
+            <a:r>
+              <a:rPr kumimoji="0" lang="en-US" altLang="en-US" sz="1800" b="0" i="1" u="none" strike="noStrike" cap="none" normalizeH="0" baseline="0" dirty="0">
+                <a:ln>
+                  <a:noFill/>
+                </a:ln>
+                <a:solidFill>
+                  <a:srgbClr val="FF0000"/>
+                </a:solidFill>
+                <a:effectLst/>
+                <a:latin typeface="Hack"/>
+              </a:rPr>
+              <a:t>fr</a:t>
+            </a:r>
+            <a:endParaRPr kumimoji="0" lang="en-US" altLang="en-US" sz="800" b="0" i="1" u="none" strike="noStrike" cap="none" normalizeH="0" baseline="0" dirty="0">
+              <a:ln>
+                <a:noFill/>
+              </a:ln>
+              <a:solidFill>
+                <a:srgbClr val="FF0000"/>
+              </a:solidFill>
+              <a:effectLst/>
+            </a:endParaRPr>
+          </a:p>
+        </p:txBody>
+      </p:sp>
+      <p:sp>
+        <p:nvSpPr>
+          <p:cNvPr id="19" name="TextBox 18">
+            <a:extLst>
+              <a:ext uri="{FF2B5EF4-FFF2-40B4-BE49-F238E27FC236}">
+                <a16:creationId xmlns:a16="http://schemas.microsoft.com/office/drawing/2014/main" id="{FCEFEB50-516D-452D-A0DA-13C44F130BDA}"/>
+              </a:ext>
+            </a:extLst>
+          </p:cNvPr>
+          <p:cNvSpPr txBox="1"/>
+          <p:nvPr/>
+        </p:nvSpPr>
+        <p:spPr>
+          <a:xfrm>
+            <a:off x="401067" y="4431308"/>
+            <a:ext cx="11485643" cy="307777"/>
+          </a:xfrm>
+          <a:prstGeom prst="rect">
+            <a:avLst/>
+          </a:prstGeom>
+          <a:noFill/>
+        </p:spPr>
+        <p:txBody>
+          <a:bodyPr wrap="square">
+            <a:spAutoFit/>
+          </a:bodyPr>
+          <a:lstStyle/>
+          <a:p>
+            <a:r>
+              <a:rPr lang="ru-RU" sz="1400" dirty="0">
+                <a:latin typeface="Roboto" panose="02000000000000000000" pitchFamily="2" charset="0"/>
+                <a:ea typeface="Roboto" panose="02000000000000000000" pitchFamily="2" charset="0"/>
+              </a:rPr>
+              <a:t>Каждая из колонок с </a:t>
+            </a:r>
+            <a:r>
+              <a:rPr lang="ru-RU" sz="1400" dirty="0">
+                <a:solidFill>
+                  <a:srgbClr val="EB5757"/>
+                </a:solidFill>
+                <a:effectLst/>
+                <a:latin typeface="Roboto" panose="02000000000000000000" pitchFamily="2" charset="0"/>
+                <a:ea typeface="Roboto" panose="02000000000000000000" pitchFamily="2" charset="0"/>
+              </a:rPr>
+              <a:t>1fr</a:t>
+            </a:r>
+            <a:r>
+              <a:rPr lang="en-US" sz="1400" dirty="0">
+                <a:solidFill>
+                  <a:srgbClr val="EB5757"/>
+                </a:solidFill>
+                <a:effectLst/>
+                <a:latin typeface="Roboto" panose="02000000000000000000" pitchFamily="2" charset="0"/>
+                <a:ea typeface="Roboto" panose="02000000000000000000" pitchFamily="2" charset="0"/>
+              </a:rPr>
+              <a:t> </a:t>
+            </a:r>
+            <a:r>
+              <a:rPr lang="ru-RU" sz="1400" dirty="0">
+                <a:latin typeface="Roboto" panose="02000000000000000000" pitchFamily="2" charset="0"/>
+                <a:ea typeface="Roboto" panose="02000000000000000000" pitchFamily="2" charset="0"/>
+              </a:rPr>
+              <a:t>будет занимать половину оставшегося пространства: (ширина контейнера - 200px) / 2:</a:t>
+            </a:r>
+            <a:endParaRPr lang="en-US" sz="1400" dirty="0">
+              <a:latin typeface="Roboto" panose="02000000000000000000" pitchFamily="2" charset="0"/>
+              <a:ea typeface="Roboto" panose="02000000000000000000" pitchFamily="2" charset="0"/>
+            </a:endParaRPr>
           </a:p>
         </p:txBody>
       </p:sp>
